--- a/aixchange5.pptx
+++ b/aixchange5.pptx
@@ -40,6 +40,7 @@
     <p:sldId id="285" r:id="rId37"/>
     <p:sldId id="286" r:id="rId38"/>
     <p:sldId id="287" r:id="rId39"/>
+    <p:sldId id="288" r:id="rId40"/>
   </p:sldIdLst>
   <p:sldSz cx="13004800" cy="9753600"/>
   <p:notesSz cx="6858000" cy="9144000"/>
@@ -5623,6 +5624,111 @@
   <p:clrMapOvr>
     <a:masterClrMapping/>
   </p:clrMapOvr>
+  <p:transition spd="slow" advClick="1">
+    <p:dissolve/>
+  </p:transition>
+</p:sld>
+</file>
+
+<file path=ppt/slides/slide33.xml><?xml version="1.0" encoding="utf-8"?>
+<p:sld xmlns:a="http://schemas.openxmlformats.org/drawingml/2006/main" xmlns:r="http://schemas.openxmlformats.org/officeDocument/2006/relationships" xmlns:p="http://schemas.openxmlformats.org/presentationml/2006/main" showMasterSp="1" showMasterPhAnim="1">
+  <p:cSld>
+    <p:spTree>
+      <p:nvGrpSpPr>
+        <p:cNvPr id="1" name=""/>
+        <p:cNvGrpSpPr/>
+        <p:nvPr/>
+      </p:nvGrpSpPr>
+      <p:grpSpPr>
+        <a:xfrm>
+          <a:off x="0" y="0"/>
+          <a:ext cx="0" cy="0"/>
+          <a:chOff x="0" y="0"/>
+          <a:chExt cx="0" cy="0"/>
+        </a:xfrm>
+      </p:grpSpPr>
+      <p:sp>
+        <p:nvSpPr>
+          <p:cNvPr id="141" name="Shape 141"/>
+          <p:cNvSpPr/>
+          <p:nvPr>
+            <p:ph type="title"/>
+          </p:nvPr>
+        </p:nvSpPr>
+        <p:spPr>
+          <a:prstGeom prst="rect">
+            <a:avLst/>
+          </a:prstGeom>
+        </p:spPr>
+        <p:txBody>
+          <a:bodyPr/>
+          <a:lstStyle/>
+          <a:p>
+            <a:pPr lvl="0">
+              <a:defRPr sz="1800">
+                <a:solidFill>
+                  <a:srgbClr val="000000"/>
+                </a:solidFill>
+              </a:defRPr>
+            </a:pPr>
+            <a:r>
+              <a:rPr sz="8000">
+                <a:solidFill>
+                  <a:srgbClr val="FFFFFF"/>
+                </a:solidFill>
+              </a:rPr>
+              <a:t>Slide + code</a:t>
+            </a:r>
+          </a:p>
+        </p:txBody>
+      </p:sp>
+      <p:sp>
+        <p:nvSpPr>
+          <p:cNvPr id="142" name="Shape 142"/>
+          <p:cNvSpPr/>
+          <p:nvPr>
+            <p:ph type="body" idx="1"/>
+          </p:nvPr>
+        </p:nvSpPr>
+        <p:spPr>
+          <a:prstGeom prst="rect">
+            <a:avLst/>
+          </a:prstGeom>
+        </p:spPr>
+        <p:txBody>
+          <a:bodyPr/>
+          <a:lstStyle>
+            <a:lvl1pPr>
+              <a:defRPr u="sng">
+                <a:hlinkClick r:id="rId2" invalidUrl="" action="" tgtFrame="" tooltip="" history="1" highlightClick="0" endSnd="0"/>
+              </a:defRPr>
+            </a:lvl1pPr>
+          </a:lstStyle>
+          <a:p>
+            <a:pPr lvl="0">
+              <a:defRPr sz="1800" u="none">
+                <a:solidFill>
+                  <a:srgbClr val="000000"/>
+                </a:solidFill>
+              </a:defRPr>
+            </a:pPr>
+            <a:r>
+              <a:rPr sz="3800" u="sng">
+                <a:solidFill>
+                  <a:srgbClr val="FFFFFF"/>
+                </a:solidFill>
+                <a:hlinkClick r:id="rId2" invalidUrl="" action="" tgtFrame="" tooltip="" history="1" highlightClick="0" endSnd="0"/>
+              </a:rPr>
+              <a:t>https://github.com/XTalandier/aixchange5</a:t>
+            </a:r>
+          </a:p>
+        </p:txBody>
+      </p:sp>
+    </p:spTree>
+  </p:cSld>
+  <p:clrMapOvr>
+    <a:masterClrMapping/>
+  </p:clrMapOvr>
   <mc:AlternateContent xmlns:mc="http://schemas.openxmlformats.org/markup-compatibility/2006">
     <mc:Choice xmlns:p14="http://schemas.microsoft.com/office/powerpoint/2010/main" Requires="p14">
       <p:transition spd="slow" advClick="1">
